--- a/ETL Presentation.pptx
+++ b/ETL Presentation.pptx
@@ -12,6 +12,7 @@
     <p:sldId id="259" r:id="rId6"/>
     <p:sldId id="260" r:id="rId7"/>
     <p:sldId id="262" r:id="rId8"/>
+    <p:sldId id="263" r:id="rId9"/>
   </p:sldIdLst>
   <p:sldSz cx="12192000" cy="6858000"/>
   <p:notesSz cx="6858000" cy="9144000"/>
@@ -127,14 +128,6 @@
     </p:ext>
   </p:extLst>
 </p:presentation>
-</file>
-
-<file path=ppt/revisionInfo.xml><?xml version="1.0" encoding="utf-8"?>
-<p1510:revInfo xmlns:a="http://schemas.openxmlformats.org/drawingml/2006/main" xmlns:r="http://schemas.openxmlformats.org/officeDocument/2006/relationships" xmlns:p1510="http://schemas.microsoft.com/office/powerpoint/2015/10/main">
-  <p1510:revLst>
-    <p1510:client id="{D8673C50-B40B-DC44-8CC9-B9E1A80DE329}" v="9" dt="2020-12-04T02:54:51.603"/>
-  </p1510:revLst>
-</p1510:revInfo>
 </file>
 
 <file path=ppt/slideLayouts/slideLayout1.xml><?xml version="1.0" encoding="utf-8"?>
@@ -5757,8 +5750,8 @@
         </p:nvSpPr>
         <p:spPr>
           <a:xfrm>
-            <a:off x="6081089" y="725394"/>
-            <a:ext cx="5142658" cy="5407212"/>
+            <a:off x="5617886" y="725394"/>
+            <a:ext cx="6022179" cy="5407212"/>
           </a:xfrm>
         </p:spPr>
         <p:txBody>
@@ -5777,7 +5770,7 @@
             </a:r>
             <a:r>
               <a:rPr lang="en-US" dirty="0"/>
-              <a:t> to pull the data required to analyze the data</a:t>
+              <a:t> to pull the csv data required to analyze the data</a:t>
             </a:r>
           </a:p>
           <a:p>
@@ -5821,8 +5814,19 @@
             <a:endParaRPr lang="en-US" dirty="0"/>
           </a:p>
           <a:p>
-            <a:pPr marL="0" indent="0">
-              <a:buNone/>
+            <a:pPr lvl="1">
+              <a:buFont typeface="Arial" panose="020B0604020202020204" pitchFamily="34" charset="0"/>
+              <a:buChar char="•"/>
+            </a:pPr>
+            <a:r>
+              <a:rPr lang="en-US" dirty="0"/>
+              <a:t>Wikipedia API</a:t>
+            </a:r>
+          </a:p>
+          <a:p>
+            <a:pPr lvl="2">
+              <a:buFont typeface="Arial" panose="020B0604020202020204" pitchFamily="34" charset="0"/>
+              <a:buChar char="•"/>
             </a:pPr>
             <a:endParaRPr lang="en-US" dirty="0"/>
           </a:p>
@@ -6396,7 +6400,7 @@
           <a:p>
             <a:r>
               <a:rPr lang="en-US" dirty="0"/>
-              <a:t>The data will first be pulled with APIs and cleaned utilizing XXX</a:t>
+              <a:t>The data will first be pulled with APIs and cleaned utilizing pandas</a:t>
             </a:r>
           </a:p>
           <a:p>
@@ -6414,7 +6418,7 @@
           <a:p>
             <a:r>
               <a:rPr lang="en-US" dirty="0"/>
-              <a:t>The data will be joined by counties within the 2 datasets</a:t>
+              <a:t>The data will be joined by counties within the datasets</a:t>
             </a:r>
           </a:p>
           <a:p>
@@ -6432,7 +6436,7 @@
           <a:p>
             <a:r>
               <a:rPr lang="en-US" dirty="0"/>
-              <a:t>The information from the world’s education and their happiness</a:t>
+              <a:t>The information from the world’s education and their happiness and include a link to the Countries Wikipedia Page</a:t>
             </a:r>
           </a:p>
           <a:p>
@@ -6553,6 +6557,14 @@
 <file path=ppt/slides/slide5.xml><?xml version="1.0" encoding="utf-8"?>
 <p:sld xmlns:a="http://schemas.openxmlformats.org/drawingml/2006/main" xmlns:r="http://schemas.openxmlformats.org/officeDocument/2006/relationships" xmlns:p="http://schemas.openxmlformats.org/presentationml/2006/main">
   <p:cSld>
+    <p:bg>
+      <p:bgPr>
+        <a:solidFill>
+          <a:schemeClr val="bg1"/>
+        </a:solidFill>
+        <a:effectLst/>
+      </p:bgPr>
+    </p:bg>
     <p:spTree>
       <p:nvGrpSpPr>
         <p:cNvPr id="1" name=""/>
@@ -6567,6 +6579,288 @@
           <a:chExt cx="0" cy="0"/>
         </a:xfrm>
       </p:grpSpPr>
+      <p:sp useBgFill="1">
+        <p:nvSpPr>
+          <p:cNvPr id="21" name="Rectangle 9">
+            <a:extLst>
+              <a:ext uri="{FF2B5EF4-FFF2-40B4-BE49-F238E27FC236}">
+                <a16:creationId xmlns:a16="http://schemas.microsoft.com/office/drawing/2014/main" id="{E009DD9B-5EE2-4C0D-8B2B-351C8C102205}"/>
+              </a:ext>
+              <a:ext uri="{C183D7F6-B498-43B3-948B-1728B52AA6E4}">
+                <adec:decorative xmlns:adec="http://schemas.microsoft.com/office/drawing/2017/decorative" val="1"/>
+              </a:ext>
+            </a:extLst>
+          </p:cNvPr>
+          <p:cNvSpPr>
+            <a:spLocks noGrp="1" noRot="1" noChangeAspect="1" noMove="1" noResize="1" noEditPoints="1" noAdjustHandles="1" noChangeArrowheads="1" noChangeShapeType="1" noTextEdit="1"/>
+          </p:cNvSpPr>
+          <p:nvPr>
+            <p:extLst>
+              <p:ext uri="{386F3935-93C4-4BCD-93E2-E3B085C9AB24}">
+                <p16:designElem xmlns:p16="http://schemas.microsoft.com/office/powerpoint/2015/main" val="1"/>
+              </p:ext>
+            </p:extLst>
+          </p:nvPr>
+        </p:nvSpPr>
+        <p:spPr>
+          <a:xfrm>
+            <a:off x="0" y="0"/>
+            <a:ext cx="12192000" cy="6858000"/>
+          </a:xfrm>
+          <a:prstGeom prst="rect">
+            <a:avLst/>
+          </a:prstGeom>
+          <a:ln>
+            <a:noFill/>
+          </a:ln>
+        </p:spPr>
+        <p:style>
+          <a:lnRef idx="2">
+            <a:schemeClr val="accent1">
+              <a:shade val="50000"/>
+            </a:schemeClr>
+          </a:lnRef>
+          <a:fillRef idx="1">
+            <a:schemeClr val="accent1"/>
+          </a:fillRef>
+          <a:effectRef idx="0">
+            <a:schemeClr val="accent1"/>
+          </a:effectRef>
+          <a:fontRef idx="minor">
+            <a:schemeClr val="lt1"/>
+          </a:fontRef>
+        </p:style>
+        <p:txBody>
+          <a:bodyPr rtlCol="0" anchor="ctr"/>
+          <a:lstStyle/>
+          <a:p>
+            <a:pPr algn="ctr"/>
+            <a:endParaRPr lang="en-US"/>
+          </a:p>
+        </p:txBody>
+      </p:sp>
+      <p:sp>
+        <p:nvSpPr>
+          <p:cNvPr id="22" name="Rectangle 11">
+            <a:extLst>
+              <a:ext uri="{FF2B5EF4-FFF2-40B4-BE49-F238E27FC236}">
+                <a16:creationId xmlns:a16="http://schemas.microsoft.com/office/drawing/2014/main" id="{E720DB99-7745-4E75-9D96-AAB6D55C531E}"/>
+              </a:ext>
+              <a:ext uri="{C183D7F6-B498-43B3-948B-1728B52AA6E4}">
+                <adec:decorative xmlns:adec="http://schemas.microsoft.com/office/drawing/2017/decorative" val="1"/>
+              </a:ext>
+            </a:extLst>
+          </p:cNvPr>
+          <p:cNvSpPr>
+            <a:spLocks noGrp="1" noRot="1" noChangeAspect="1" noMove="1" noResize="1" noEditPoints="1" noAdjustHandles="1" noChangeArrowheads="1" noChangeShapeType="1" noTextEdit="1"/>
+          </p:cNvSpPr>
+          <p:nvPr>
+            <p:extLst>
+              <p:ext uri="{386F3935-93C4-4BCD-93E2-E3B085C9AB24}">
+                <p16:designElem xmlns:p16="http://schemas.microsoft.com/office/powerpoint/2015/main" val="1"/>
+              </p:ext>
+            </p:extLst>
+          </p:nvPr>
+        </p:nvSpPr>
+        <p:spPr>
+          <a:xfrm>
+            <a:off x="984504" y="464119"/>
+            <a:ext cx="10222992" cy="80683"/>
+          </a:xfrm>
+          <a:prstGeom prst="rect">
+            <a:avLst/>
+          </a:prstGeom>
+          <a:blipFill dpi="0" rotWithShape="1">
+            <a:blip r:embed="rId2">
+              <a:alphaModFix amt="85000"/>
+              <a:lum bright="70000" contrast="-70000"/>
+              <a:extLst>
+                <a:ext uri="{BEBA8EAE-BF5A-486C-A8C5-ECC9F3942E4B}">
+                  <a14:imgProps xmlns:a14="http://schemas.microsoft.com/office/drawing/2010/main">
+                    <a14:imgLayer r:embed="rId3">
+                      <a14:imgEffect>
+                        <a14:sharpenSoften amount="61000"/>
+                      </a14:imgEffect>
+                    </a14:imgLayer>
+                  </a14:imgProps>
+                </a:ext>
+                <a:ext uri="{28A0092B-C50C-407E-A947-70E740481C1C}">
+                  <a14:useLocalDpi xmlns:a14="http://schemas.microsoft.com/office/drawing/2010/main" val="0"/>
+                </a:ext>
+              </a:extLst>
+            </a:blip>
+            <a:srcRect/>
+            <a:tile tx="0" ty="-762000" sx="92000" sy="89000" flip="xy" algn="ctr"/>
+          </a:blipFill>
+          <a:ln>
+            <a:noFill/>
+          </a:ln>
+        </p:spPr>
+        <p:style>
+          <a:lnRef idx="2">
+            <a:schemeClr val="accent1">
+              <a:shade val="50000"/>
+            </a:schemeClr>
+          </a:lnRef>
+          <a:fillRef idx="1">
+            <a:schemeClr val="accent1"/>
+          </a:fillRef>
+          <a:effectRef idx="0">
+            <a:schemeClr val="accent1"/>
+          </a:effectRef>
+          <a:fontRef idx="minor">
+            <a:schemeClr val="lt1"/>
+          </a:fontRef>
+        </p:style>
+      </p:sp>
+      <p:sp>
+        <p:nvSpPr>
+          <p:cNvPr id="23" name="Rectangle 13">
+            <a:extLst>
+              <a:ext uri="{FF2B5EF4-FFF2-40B4-BE49-F238E27FC236}">
+                <a16:creationId xmlns:a16="http://schemas.microsoft.com/office/drawing/2014/main" id="{D68803C4-E159-4360-B7BB-74205C8F782D}"/>
+              </a:ext>
+              <a:ext uri="{C183D7F6-B498-43B3-948B-1728B52AA6E4}">
+                <adec:decorative xmlns:adec="http://schemas.microsoft.com/office/drawing/2017/decorative" val="1"/>
+              </a:ext>
+            </a:extLst>
+          </p:cNvPr>
+          <p:cNvSpPr>
+            <a:spLocks noGrp="1" noRot="1" noChangeAspect="1" noMove="1" noResize="1" noEditPoints="1" noAdjustHandles="1" noChangeArrowheads="1" noChangeShapeType="1" noTextEdit="1"/>
+          </p:cNvSpPr>
+          <p:nvPr>
+            <p:extLst>
+              <p:ext uri="{386F3935-93C4-4BCD-93E2-E3B085C9AB24}">
+                <p16:designElem xmlns:p16="http://schemas.microsoft.com/office/powerpoint/2015/main" val="1"/>
+              </p:ext>
+            </p:extLst>
+          </p:nvPr>
+        </p:nvSpPr>
+        <p:spPr>
+          <a:xfrm>
+            <a:off x="984504" y="601952"/>
+            <a:ext cx="10222992" cy="1385874"/>
+          </a:xfrm>
+          <a:prstGeom prst="rect">
+            <a:avLst/>
+          </a:prstGeom>
+          <a:blipFill dpi="0" rotWithShape="1">
+            <a:blip r:embed="rId2">
+              <a:alphaModFix amt="85000"/>
+              <a:lum bright="70000" contrast="-70000"/>
+              <a:extLst>
+                <a:ext uri="{BEBA8EAE-BF5A-486C-A8C5-ECC9F3942E4B}">
+                  <a14:imgProps xmlns:a14="http://schemas.microsoft.com/office/drawing/2010/main">
+                    <a14:imgLayer r:embed="rId3">
+                      <a14:imgEffect>
+                        <a14:sharpenSoften amount="61000"/>
+                      </a14:imgEffect>
+                    </a14:imgLayer>
+                  </a14:imgProps>
+                </a:ext>
+                <a:ext uri="{28A0092B-C50C-407E-A947-70E740481C1C}">
+                  <a14:useLocalDpi xmlns:a14="http://schemas.microsoft.com/office/drawing/2010/main" val="0"/>
+                </a:ext>
+              </a:extLst>
+            </a:blip>
+            <a:srcRect/>
+            <a:tile tx="0" ty="-704850" sx="92000" sy="89000" flip="xy" algn="ctr"/>
+          </a:blipFill>
+          <a:ln>
+            <a:noFill/>
+          </a:ln>
+        </p:spPr>
+        <p:style>
+          <a:lnRef idx="2">
+            <a:schemeClr val="accent1">
+              <a:shade val="50000"/>
+            </a:schemeClr>
+          </a:lnRef>
+          <a:fillRef idx="1">
+            <a:schemeClr val="accent1"/>
+          </a:fillRef>
+          <a:effectRef idx="0">
+            <a:schemeClr val="accent1"/>
+          </a:effectRef>
+          <a:fontRef idx="minor">
+            <a:schemeClr val="lt1"/>
+          </a:fontRef>
+        </p:style>
+      </p:sp>
+      <p:sp>
+        <p:nvSpPr>
+          <p:cNvPr id="24" name="Rectangle 15">
+            <a:extLst>
+              <a:ext uri="{FF2B5EF4-FFF2-40B4-BE49-F238E27FC236}">
+                <a16:creationId xmlns:a16="http://schemas.microsoft.com/office/drawing/2014/main" id="{504B0465-3B07-49BF-BEA7-D81476246293}"/>
+              </a:ext>
+              <a:ext uri="{C183D7F6-B498-43B3-948B-1728B52AA6E4}">
+                <adec:decorative xmlns:adec="http://schemas.microsoft.com/office/drawing/2017/decorative" val="1"/>
+              </a:ext>
+            </a:extLst>
+          </p:cNvPr>
+          <p:cNvSpPr>
+            <a:spLocks noGrp="1" noRot="1" noChangeAspect="1" noMove="1" noResize="1" noEditPoints="1" noAdjustHandles="1" noChangeArrowheads="1" noChangeShapeType="1" noTextEdit="1"/>
+          </p:cNvSpPr>
+          <p:nvPr>
+            <p:extLst>
+              <p:ext uri="{386F3935-93C4-4BCD-93E2-E3B085C9AB24}">
+                <p16:designElem xmlns:p16="http://schemas.microsoft.com/office/powerpoint/2015/main" val="1"/>
+              </p:ext>
+            </p:extLst>
+          </p:nvPr>
+        </p:nvSpPr>
+        <p:spPr>
+          <a:xfrm>
+            <a:off x="984504" y="2038655"/>
+            <a:ext cx="10222992" cy="80683"/>
+          </a:xfrm>
+          <a:prstGeom prst="rect">
+            <a:avLst/>
+          </a:prstGeom>
+          <a:blipFill dpi="0" rotWithShape="1">
+            <a:blip r:embed="rId2">
+              <a:alphaModFix amt="85000"/>
+              <a:lum bright="70000" contrast="-70000"/>
+              <a:extLst>
+                <a:ext uri="{BEBA8EAE-BF5A-486C-A8C5-ECC9F3942E4B}">
+                  <a14:imgProps xmlns:a14="http://schemas.microsoft.com/office/drawing/2010/main">
+                    <a14:imgLayer r:embed="rId3">
+                      <a14:imgEffect>
+                        <a14:sharpenSoften amount="61000"/>
+                      </a14:imgEffect>
+                    </a14:imgLayer>
+                  </a14:imgProps>
+                </a:ext>
+                <a:ext uri="{28A0092B-C50C-407E-A947-70E740481C1C}">
+                  <a14:useLocalDpi xmlns:a14="http://schemas.microsoft.com/office/drawing/2010/main" val="0"/>
+                </a:ext>
+              </a:extLst>
+            </a:blip>
+            <a:srcRect/>
+            <a:tile tx="0" ty="-717550" sx="92000" sy="89000" flip="xy" algn="ctr"/>
+          </a:blipFill>
+          <a:ln>
+            <a:noFill/>
+          </a:ln>
+        </p:spPr>
+        <p:style>
+          <a:lnRef idx="2">
+            <a:schemeClr val="accent1">
+              <a:shade val="50000"/>
+            </a:schemeClr>
+          </a:lnRef>
+          <a:fillRef idx="1">
+            <a:schemeClr val="accent1"/>
+          </a:fillRef>
+          <a:effectRef idx="0">
+            <a:schemeClr val="accent1"/>
+          </a:effectRef>
+          <a:fontRef idx="minor">
+            <a:schemeClr val="lt1"/>
+          </a:fontRef>
+        </p:style>
+      </p:sp>
       <p:sp>
         <p:nvSpPr>
           <p:cNvPr id="2" name="Title 1">
@@ -6583,15 +6877,23 @@
             <p:ph type="title"/>
           </p:nvPr>
         </p:nvSpPr>
-        <p:spPr/>
-        <p:txBody>
-          <a:bodyPr/>
+        <p:spPr>
+          <a:xfrm>
+            <a:off x="1069848" y="484632"/>
+            <a:ext cx="10058400" cy="1609344"/>
+          </a:xfrm>
+        </p:spPr>
+        <p:txBody>
+          <a:bodyPr>
+            <a:normAutofit/>
+          </a:bodyPr>
           <a:lstStyle/>
           <a:p>
             <a:r>
-              <a:rPr lang="en-US" dirty="0"/>
-              <a:t>Cleaning</a:t>
-            </a:r>
+              <a:rPr lang="en-US"/>
+              <a:t>Cleaning DataSets</a:t>
+            </a:r>
+            <a:endParaRPr lang="en-US" dirty="0"/>
           </a:p>
         </p:txBody>
       </p:sp>
@@ -6608,43 +6910,244 @@
             <a:spLocks noGrp="1"/>
           </p:cNvSpPr>
           <p:nvPr>
-            <p:ph sz="half" idx="1"/>
-          </p:nvPr>
-        </p:nvSpPr>
-        <p:spPr/>
-        <p:txBody>
-          <a:bodyPr/>
+            <p:ph idx="1"/>
+          </p:nvPr>
+        </p:nvSpPr>
+        <p:spPr>
+          <a:xfrm>
+            <a:off x="1069848" y="2320412"/>
+            <a:ext cx="10058400" cy="3851787"/>
+          </a:xfrm>
+        </p:spPr>
+        <p:txBody>
+          <a:bodyPr>
+            <a:normAutofit/>
+          </a:bodyPr>
           <a:lstStyle/>
           <a:p>
-            <a:endParaRPr lang="en-US"/>
-          </a:p>
-        </p:txBody>
-      </p:sp>
-      <p:sp>
-        <p:nvSpPr>
-          <p:cNvPr id="6" name="Content Placeholder 5">
+            <a:r>
+              <a:rPr lang="en-US" dirty="0"/>
+              <a:t>The team utilized </a:t>
+            </a:r>
+            <a:r>
+              <a:rPr lang="en-US" dirty="0" err="1"/>
+              <a:t>jupyter</a:t>
+            </a:r>
+            <a:r>
+              <a:rPr lang="en-US" dirty="0"/>
+              <a:t> notebooks and pandas to get each of the datasets ready to join the tables</a:t>
+            </a:r>
+          </a:p>
+          <a:p>
+            <a:r>
+              <a:rPr lang="en-US" dirty="0"/>
+              <a:t>Happiness Example:</a:t>
+            </a:r>
+          </a:p>
+          <a:p>
+            <a:pPr marL="274320" lvl="1" indent="0">
+              <a:buNone/>
+            </a:pPr>
+            <a:endParaRPr lang="en-US" dirty="0"/>
+          </a:p>
+        </p:txBody>
+      </p:sp>
+      <p:sp>
+        <p:nvSpPr>
+          <p:cNvPr id="18" name="Oval 17">
             <a:extLst>
               <a:ext uri="{FF2B5EF4-FFF2-40B4-BE49-F238E27FC236}">
-                <a16:creationId xmlns:a16="http://schemas.microsoft.com/office/drawing/2014/main" id="{D5F58378-B826-FB4A-B0F4-B572F700411C}"/>
+                <a16:creationId xmlns:a16="http://schemas.microsoft.com/office/drawing/2014/main" id="{49B7FFA5-14CB-4A4F-9BCC-CA3AA5D9D276}"/>
+              </a:ext>
+              <a:ext uri="{C183D7F6-B498-43B3-948B-1728B52AA6E4}">
+                <adec:decorative xmlns:adec="http://schemas.microsoft.com/office/drawing/2017/decorative" val="1"/>
               </a:ext>
             </a:extLst>
           </p:cNvPr>
           <p:cNvSpPr>
-            <a:spLocks noGrp="1"/>
-          </p:cNvSpPr>
-          <p:nvPr>
-            <p:ph sz="half" idx="2"/>
-          </p:nvPr>
-        </p:nvSpPr>
-        <p:spPr/>
-        <p:txBody>
-          <a:bodyPr/>
+            <a:spLocks noGrp="1" noRot="1" noChangeAspect="1" noMove="1" noResize="1" noEditPoints="1" noAdjustHandles="1" noChangeArrowheads="1" noChangeShapeType="1" noTextEdit="1"/>
+          </p:cNvSpPr>
+          <p:nvPr>
+            <p:extLst>
+              <p:ext uri="{386F3935-93C4-4BCD-93E2-E3B085C9AB24}">
+                <p16:designElem xmlns:p16="http://schemas.microsoft.com/office/powerpoint/2015/main" val="1"/>
+              </p:ext>
+            </p:extLst>
+          </p:nvPr>
+        </p:nvSpPr>
+        <p:spPr>
+          <a:xfrm>
+            <a:off x="11401725" y="6229681"/>
+            <a:ext cx="457200" cy="457200"/>
+          </a:xfrm>
+          <a:prstGeom prst="ellipse">
+            <a:avLst/>
+          </a:prstGeom>
+          <a:blipFill dpi="0" rotWithShape="1">
+            <a:blip r:embed="rId4">
+              <a:duotone>
+                <a:schemeClr val="accent1">
+                  <a:shade val="45000"/>
+                  <a:satMod val="135000"/>
+                </a:schemeClr>
+                <a:prstClr val="white"/>
+              </a:duotone>
+            </a:blip>
+            <a:srcRect/>
+            <a:tile tx="50800" ty="0" sx="85000" sy="85000" flip="none" algn="tl"/>
+          </a:blipFill>
+          <a:ln w="25400" cap="flat" cmpd="sng" algn="ctr">
+            <a:noFill/>
+            <a:prstDash val="solid"/>
+          </a:ln>
+          <a:effectLst/>
+        </p:spPr>
+        <p:txBody>
+          <a:bodyPr lIns="0" tIns="0" rIns="0" bIns="0" rtlCol="0" anchor="ctr"/>
           <a:lstStyle/>
           <a:p>
-            <a:endParaRPr lang="en-US"/>
-          </a:p>
-        </p:txBody>
-      </p:sp>
+            <a:pPr marL="0" marR="0" lvl="0" indent="0" algn="ctr" defTabSz="914400" eaLnBrk="1" fontAlgn="auto" latinLnBrk="0" hangingPunct="1">
+              <a:lnSpc>
+                <a:spcPct val="100000"/>
+              </a:lnSpc>
+              <a:spcBef>
+                <a:spcPts val="0"/>
+              </a:spcBef>
+              <a:spcAft>
+                <a:spcPts val="0"/>
+              </a:spcAft>
+              <a:buClrTx/>
+              <a:buSzTx/>
+              <a:buFontTx/>
+              <a:buNone/>
+              <a:tabLst/>
+              <a:defRPr/>
+            </a:pPr>
+            <a:endParaRPr kumimoji="0" lang="en-US" sz="2000" b="0" i="0" u="none" strike="noStrike" kern="0" cap="none" spc="0" normalizeH="0" baseline="0" noProof="0" dirty="0">
+              <a:ln>
+                <a:noFill/>
+              </a:ln>
+              <a:solidFill>
+                <a:prstClr val="white"/>
+              </a:solidFill>
+              <a:effectLst/>
+              <a:uLnTx/>
+              <a:uFillTx/>
+              <a:latin typeface="Rockwell Extra Bold" pitchFamily="18" charset="0"/>
+              <a:ea typeface="+mn-ea"/>
+              <a:cs typeface="+mn-cs"/>
+            </a:endParaRPr>
+          </a:p>
+        </p:txBody>
+      </p:sp>
+      <p:sp>
+        <p:nvSpPr>
+          <p:cNvPr id="20" name="Oval 19">
+            <a:extLst>
+              <a:ext uri="{FF2B5EF4-FFF2-40B4-BE49-F238E27FC236}">
+                <a16:creationId xmlns:a16="http://schemas.microsoft.com/office/drawing/2014/main" id="{04E48745-7512-4EC2-9E20-9092D12150CA}"/>
+              </a:ext>
+              <a:ext uri="{C183D7F6-B498-43B3-948B-1728B52AA6E4}">
+                <adec:decorative xmlns:adec="http://schemas.microsoft.com/office/drawing/2017/decorative" val="1"/>
+              </a:ext>
+            </a:extLst>
+          </p:cNvPr>
+          <p:cNvSpPr>
+            <a:spLocks noGrp="1" noRot="1" noChangeAspect="1" noMove="1" noResize="1" noEditPoints="1" noAdjustHandles="1" noChangeArrowheads="1" noChangeShapeType="1" noTextEdit="1"/>
+          </p:cNvSpPr>
+          <p:nvPr>
+            <p:extLst>
+              <p:ext uri="{386F3935-93C4-4BCD-93E2-E3B085C9AB24}">
+                <p16:designElem xmlns:p16="http://schemas.microsoft.com/office/powerpoint/2015/main" val="1"/>
+              </p:ext>
+            </p:extLst>
+          </p:nvPr>
+        </p:nvSpPr>
+        <p:spPr>
+          <a:xfrm>
+            <a:off x="11430918" y="6258874"/>
+            <a:ext cx="398813" cy="398815"/>
+          </a:xfrm>
+          <a:prstGeom prst="ellipse">
+            <a:avLst/>
+          </a:prstGeom>
+          <a:noFill/>
+          <a:ln w="12700" cap="flat" cmpd="sng" algn="ctr">
+            <a:solidFill>
+              <a:srgbClr val="FFFFFF"/>
+            </a:solidFill>
+            <a:prstDash val="solid"/>
+          </a:ln>
+          <a:effectLst/>
+        </p:spPr>
+        <p:txBody>
+          <a:bodyPr rtlCol="0" anchor="ctr"/>
+          <a:lstStyle/>
+          <a:p>
+            <a:pPr marL="0" marR="0" lvl="0" indent="0" algn="ctr" defTabSz="914400" eaLnBrk="1" fontAlgn="auto" latinLnBrk="0" hangingPunct="1">
+              <a:lnSpc>
+                <a:spcPct val="100000"/>
+              </a:lnSpc>
+              <a:spcBef>
+                <a:spcPts val="0"/>
+              </a:spcBef>
+              <a:spcAft>
+                <a:spcPts val="0"/>
+              </a:spcAft>
+              <a:buClrTx/>
+              <a:buSzTx/>
+              <a:buFontTx/>
+              <a:buNone/>
+              <a:tabLst/>
+              <a:defRPr/>
+            </a:pPr>
+            <a:endParaRPr kumimoji="0" lang="en-US" sz="1800" b="0" i="0" u="none" strike="noStrike" kern="0" cap="none" spc="0" normalizeH="0" baseline="0" noProof="0" dirty="0">
+              <a:ln>
+                <a:noFill/>
+              </a:ln>
+              <a:solidFill>
+                <a:prstClr val="white"/>
+              </a:solidFill>
+              <a:effectLst/>
+              <a:uLnTx/>
+              <a:uFillTx/>
+              <a:latin typeface="Calibri"/>
+              <a:ea typeface="+mn-ea"/>
+              <a:cs typeface="+mn-cs"/>
+            </a:endParaRPr>
+          </a:p>
+        </p:txBody>
+      </p:sp>
+      <p:pic>
+        <p:nvPicPr>
+          <p:cNvPr id="8" name="Picture 7">
+            <a:extLst>
+              <a:ext uri="{FF2B5EF4-FFF2-40B4-BE49-F238E27FC236}">
+                <a16:creationId xmlns:a16="http://schemas.microsoft.com/office/drawing/2014/main" id="{3EE5ADB7-F41F-7644-AE7F-2D16D3BC9086}"/>
+              </a:ext>
+            </a:extLst>
+          </p:cNvPr>
+          <p:cNvPicPr>
+            <a:picLocks noChangeAspect="1"/>
+          </p:cNvPicPr>
+          <p:nvPr/>
+        </p:nvPicPr>
+        <p:blipFill>
+          <a:blip r:embed="rId5"/>
+          <a:stretch>
+            <a:fillRect/>
+          </a:stretch>
+        </p:blipFill>
+        <p:spPr>
+          <a:xfrm>
+            <a:off x="1320800" y="3429000"/>
+            <a:ext cx="8356600" cy="2111889"/>
+          </a:xfrm>
+          <a:prstGeom prst="rect">
+            <a:avLst/>
+          </a:prstGeom>
+        </p:spPr>
+      </p:pic>
     </p:spTree>
     <p:extLst>
       <p:ext uri="{BB962C8B-B14F-4D97-AF65-F5344CB8AC3E}">
@@ -6698,17 +7201,17 @@
           <a:p>
             <a:r>
               <a:rPr lang="en-US" dirty="0"/>
-              <a:t>Cleaning</a:t>
-            </a:r>
-          </a:p>
-        </p:txBody>
-      </p:sp>
-      <p:sp>
-        <p:nvSpPr>
-          <p:cNvPr id="4" name="Content Placeholder 3">
+              <a:t>Creating the Tables</a:t>
+            </a:r>
+          </a:p>
+        </p:txBody>
+      </p:sp>
+      <p:sp>
+        <p:nvSpPr>
+          <p:cNvPr id="6" name="Content Placeholder 5">
             <a:extLst>
               <a:ext uri="{FF2B5EF4-FFF2-40B4-BE49-F238E27FC236}">
-                <a16:creationId xmlns:a16="http://schemas.microsoft.com/office/drawing/2014/main" id="{BE6E04F0-0C0C-1B4F-A17A-58FD58E265CB}"/>
+                <a16:creationId xmlns:a16="http://schemas.microsoft.com/office/drawing/2014/main" id="{3CBFE6DB-FDCC-FC47-A165-FC3C15127488}"/>
               </a:ext>
             </a:extLst>
           </p:cNvPr>
@@ -6716,7 +7219,7 @@
             <a:spLocks noGrp="1"/>
           </p:cNvSpPr>
           <p:nvPr>
-            <p:ph sz="half" idx="1"/>
+            <p:ph idx="1"/>
           </p:nvPr>
         </p:nvSpPr>
         <p:spPr/>
@@ -6724,35 +7227,85 @@
           <a:bodyPr/>
           <a:lstStyle/>
           <a:p>
-            <a:endParaRPr lang="en-US"/>
-          </a:p>
-        </p:txBody>
-      </p:sp>
-      <p:sp>
-        <p:nvSpPr>
-          <p:cNvPr id="5" name="Content Placeholder 4">
+            <a:r>
+              <a:rPr lang="en-US" dirty="0"/>
+              <a:t>We used SQL to create the tables and join the data on the year and countries.  Also added were Wikipedia links to all the countries compared </a:t>
+            </a:r>
+          </a:p>
+          <a:p>
+            <a:r>
+              <a:rPr lang="en-US" dirty="0"/>
+              <a:t>Table Examples:</a:t>
+            </a:r>
+          </a:p>
+          <a:p>
+            <a:pPr marL="0" indent="0">
+              <a:buNone/>
+            </a:pPr>
+            <a:endParaRPr lang="en-US" dirty="0"/>
+          </a:p>
+        </p:txBody>
+      </p:sp>
+      <p:pic>
+        <p:nvPicPr>
+          <p:cNvPr id="7" name="Picture 6">
             <a:extLst>
               <a:ext uri="{FF2B5EF4-FFF2-40B4-BE49-F238E27FC236}">
-                <a16:creationId xmlns:a16="http://schemas.microsoft.com/office/drawing/2014/main" id="{5AFBB9DD-94DD-9C4B-85FD-D9BEEAD187A5}"/>
+                <a16:creationId xmlns:a16="http://schemas.microsoft.com/office/drawing/2014/main" id="{D3050AA2-C7D6-BC45-AEF3-E265F575CAC5}"/>
               </a:ext>
             </a:extLst>
           </p:cNvPr>
-          <p:cNvSpPr>
-            <a:spLocks noGrp="1"/>
-          </p:cNvSpPr>
-          <p:nvPr>
-            <p:ph sz="half" idx="2"/>
-          </p:nvPr>
-        </p:nvSpPr>
-        <p:spPr/>
-        <p:txBody>
-          <a:bodyPr/>
-          <a:lstStyle/>
-          <a:p>
-            <a:endParaRPr lang="en-US"/>
-          </a:p>
-        </p:txBody>
-      </p:sp>
+          <p:cNvPicPr>
+            <a:picLocks noChangeAspect="1"/>
+          </p:cNvPicPr>
+          <p:nvPr/>
+        </p:nvPicPr>
+        <p:blipFill>
+          <a:blip r:embed="rId2"/>
+          <a:stretch>
+            <a:fillRect/>
+          </a:stretch>
+        </p:blipFill>
+        <p:spPr>
+          <a:xfrm>
+            <a:off x="1460500" y="3219450"/>
+            <a:ext cx="2667000" cy="2654300"/>
+          </a:xfrm>
+          <a:prstGeom prst="rect">
+            <a:avLst/>
+          </a:prstGeom>
+        </p:spPr>
+      </p:pic>
+      <p:pic>
+        <p:nvPicPr>
+          <p:cNvPr id="9" name="Picture 8">
+            <a:extLst>
+              <a:ext uri="{FF2B5EF4-FFF2-40B4-BE49-F238E27FC236}">
+                <a16:creationId xmlns:a16="http://schemas.microsoft.com/office/drawing/2014/main" id="{8DCF0BE8-DEE7-C74B-8F77-C7AB3C7BB2AE}"/>
+              </a:ext>
+            </a:extLst>
+          </p:cNvPr>
+          <p:cNvPicPr>
+            <a:picLocks noChangeAspect="1"/>
+          </p:cNvPicPr>
+          <p:nvPr/>
+        </p:nvPicPr>
+        <p:blipFill>
+          <a:blip r:embed="rId3"/>
+          <a:stretch>
+            <a:fillRect/>
+          </a:stretch>
+        </p:blipFill>
+        <p:spPr>
+          <a:xfrm>
+            <a:off x="5372102" y="3225800"/>
+            <a:ext cx="2692400" cy="2374900"/>
+          </a:xfrm>
+          <a:prstGeom prst="rect">
+            <a:avLst/>
+          </a:prstGeom>
+        </p:spPr>
+      </p:pic>
     </p:spTree>
     <p:extLst>
       <p:ext uri="{BB962C8B-B14F-4D97-AF65-F5344CB8AC3E}">
@@ -6835,11 +7388,8 @@
           <a:p>
             <a:r>
               <a:rPr lang="en-US" dirty="0"/>
-              <a:t>We will be utilizing Postgres to better utilizing tables for  updating in the future when new years are added to the World Bank information</a:t>
-            </a:r>
-          </a:p>
-          <a:p>
-            <a:endParaRPr lang="en-US" dirty="0"/>
+              <a:t>We utilized Postgres to better update in the future when new years are added to the World Bank information.</a:t>
+            </a:r>
           </a:p>
           <a:p>
             <a:pPr marL="0" indent="0">
@@ -6867,7 +7417,7 @@
             </a:pPr>
             <a:r>
               <a:rPr lang="en-US" dirty="0"/>
-              <a:t>Year</a:t>
+              <a:t>Education</a:t>
             </a:r>
           </a:p>
           <a:p>
@@ -6877,7 +7427,7 @@
             </a:pPr>
             <a:r>
               <a:rPr lang="en-US" dirty="0"/>
-              <a:t>Education</a:t>
+              <a:t>Happiness</a:t>
             </a:r>
           </a:p>
           <a:p>
@@ -6887,7 +7437,7 @@
             </a:pPr>
             <a:r>
               <a:rPr lang="en-US" dirty="0"/>
-              <a:t>Happiness</a:t>
+              <a:t>Wikipedia</a:t>
             </a:r>
           </a:p>
           <a:p>
@@ -6919,18 +7469,7 @@
           <a:bodyPr/>
           <a:lstStyle/>
           <a:p>
-            <a:r>
-              <a:rPr lang="en-US" dirty="0"/>
-              <a:t>Example of </a:t>
-            </a:r>
-            <a:r>
-              <a:rPr lang="en-US" dirty="0" err="1"/>
-              <a:t>postgres</a:t>
-            </a:r>
-            <a:r>
-              <a:rPr lang="en-US" dirty="0"/>
-              <a:t> schema</a:t>
-            </a:r>
+            <a:endParaRPr lang="en-US" dirty="0"/>
           </a:p>
         </p:txBody>
       </p:sp>
@@ -6938,6 +7477,129 @@
     <p:extLst>
       <p:ext uri="{BB962C8B-B14F-4D97-AF65-F5344CB8AC3E}">
         <p14:creationId xmlns:p14="http://schemas.microsoft.com/office/powerpoint/2010/main" val="2807671786"/>
+      </p:ext>
+    </p:extLst>
+  </p:cSld>
+  <p:clrMapOvr>
+    <a:masterClrMapping/>
+  </p:clrMapOvr>
+</p:sld>
+</file>
+
+<file path=ppt/slides/slide8.xml><?xml version="1.0" encoding="utf-8"?>
+<p:sld xmlns:a="http://schemas.openxmlformats.org/drawingml/2006/main" xmlns:r="http://schemas.openxmlformats.org/officeDocument/2006/relationships" xmlns:p="http://schemas.openxmlformats.org/presentationml/2006/main">
+  <p:cSld>
+    <p:spTree>
+      <p:nvGrpSpPr>
+        <p:cNvPr id="1" name=""/>
+        <p:cNvGrpSpPr/>
+        <p:nvPr/>
+      </p:nvGrpSpPr>
+      <p:grpSpPr>
+        <a:xfrm>
+          <a:off x="0" y="0"/>
+          <a:ext cx="0" cy="0"/>
+          <a:chOff x="0" y="0"/>
+          <a:chExt cx="0" cy="0"/>
+        </a:xfrm>
+      </p:grpSpPr>
+      <p:sp>
+        <p:nvSpPr>
+          <p:cNvPr id="5" name="Title 4">
+            <a:extLst>
+              <a:ext uri="{FF2B5EF4-FFF2-40B4-BE49-F238E27FC236}">
+                <a16:creationId xmlns:a16="http://schemas.microsoft.com/office/drawing/2014/main" id="{58B893E1-24F1-4B43-BEB6-A8F13CB164E5}"/>
+              </a:ext>
+            </a:extLst>
+          </p:cNvPr>
+          <p:cNvSpPr>
+            <a:spLocks noGrp="1"/>
+          </p:cNvSpPr>
+          <p:nvPr>
+            <p:ph type="title"/>
+          </p:nvPr>
+        </p:nvSpPr>
+        <p:spPr/>
+        <p:txBody>
+          <a:bodyPr/>
+          <a:lstStyle/>
+          <a:p>
+            <a:r>
+              <a:rPr lang="en-US" dirty="0"/>
+              <a:t>Final Product</a:t>
+            </a:r>
+          </a:p>
+        </p:txBody>
+      </p:sp>
+      <p:sp>
+        <p:nvSpPr>
+          <p:cNvPr id="7" name="Text Placeholder 6">
+            <a:extLst>
+              <a:ext uri="{FF2B5EF4-FFF2-40B4-BE49-F238E27FC236}">
+                <a16:creationId xmlns:a16="http://schemas.microsoft.com/office/drawing/2014/main" id="{720F83E5-D162-2F48-8A78-AA6518FC77C0}"/>
+              </a:ext>
+            </a:extLst>
+          </p:cNvPr>
+          <p:cNvSpPr>
+            <a:spLocks noGrp="1"/>
+          </p:cNvSpPr>
+          <p:nvPr>
+            <p:ph type="body" sz="half" idx="2"/>
+          </p:nvPr>
+        </p:nvSpPr>
+        <p:spPr/>
+        <p:txBody>
+          <a:bodyPr/>
+          <a:lstStyle/>
+          <a:p>
+            <a:endParaRPr lang="en-US" dirty="0"/>
+          </a:p>
+          <a:p>
+            <a:endParaRPr lang="en-US" dirty="0"/>
+          </a:p>
+          <a:p>
+            <a:endParaRPr lang="en-US" dirty="0"/>
+          </a:p>
+          <a:p>
+            <a:endParaRPr lang="en-US" dirty="0"/>
+          </a:p>
+          <a:p>
+            <a:r>
+              <a:rPr lang="en-US" dirty="0"/>
+              <a:t>Questions?</a:t>
+            </a:r>
+          </a:p>
+        </p:txBody>
+      </p:sp>
+      <p:sp>
+        <p:nvSpPr>
+          <p:cNvPr id="13" name="Content Placeholder 12">
+            <a:extLst>
+              <a:ext uri="{FF2B5EF4-FFF2-40B4-BE49-F238E27FC236}">
+                <a16:creationId xmlns:a16="http://schemas.microsoft.com/office/drawing/2014/main" id="{D0B63990-14EF-344F-A9F7-CFE09B3AC01E}"/>
+              </a:ext>
+            </a:extLst>
+          </p:cNvPr>
+          <p:cNvSpPr>
+            <a:spLocks noGrp="1"/>
+          </p:cNvSpPr>
+          <p:nvPr>
+            <p:ph idx="1"/>
+          </p:nvPr>
+        </p:nvSpPr>
+        <p:spPr/>
+        <p:txBody>
+          <a:bodyPr/>
+          <a:lstStyle/>
+          <a:p>
+            <a:endParaRPr lang="en-US"/>
+          </a:p>
+        </p:txBody>
+      </p:sp>
+    </p:spTree>
+    <p:extLst>
+      <p:ext uri="{BB962C8B-B14F-4D97-AF65-F5344CB8AC3E}">
+        <p14:creationId xmlns:p14="http://schemas.microsoft.com/office/powerpoint/2010/main" val="2759487483"/>
       </p:ext>
     </p:extLst>
   </p:cSld>

--- a/ETL Presentation.pptx
+++ b/ETL Presentation.pptx
@@ -10,9 +10,10 @@
     <p:sldId id="258" r:id="rId4"/>
     <p:sldId id="261" r:id="rId5"/>
     <p:sldId id="259" r:id="rId6"/>
-    <p:sldId id="260" r:id="rId7"/>
-    <p:sldId id="262" r:id="rId8"/>
-    <p:sldId id="263" r:id="rId9"/>
+    <p:sldId id="264" r:id="rId7"/>
+    <p:sldId id="260" r:id="rId8"/>
+    <p:sldId id="262" r:id="rId9"/>
+    <p:sldId id="263" r:id="rId10"/>
   </p:sldIdLst>
   <p:sldSz cx="12192000" cy="6858000"/>
   <p:notesSz cx="6858000" cy="9144000"/>
@@ -5648,7 +5649,7 @@
           <a:p>
             <a:pPr algn="ctr"/>
             <a:r>
-              <a:rPr lang="en-US" sz="3000">
+              <a:rPr lang="en-US" sz="3000" dirty="0">
                 <a:solidFill>
                   <a:srgbClr val="FFFFFF"/>
                 </a:solidFill>
@@ -5750,8 +5751,8 @@
         </p:nvSpPr>
         <p:spPr>
           <a:xfrm>
-            <a:off x="5617886" y="725394"/>
-            <a:ext cx="6022179" cy="5407212"/>
+            <a:off x="5617886" y="241300"/>
+            <a:ext cx="6022179" cy="6400800"/>
           </a:xfrm>
         </p:spPr>
         <p:txBody>
@@ -5783,7 +5784,7 @@
             <a:pPr lvl="1"/>
             <a:r>
               <a:rPr lang="en-US" dirty="0"/>
-              <a:t>World Bank: Education Data</a:t>
+              <a:t>World Bank: Education Data CSV</a:t>
             </a:r>
           </a:p>
           <a:p>
@@ -5800,7 +5801,7 @@
             <a:pPr lvl="1"/>
             <a:r>
               <a:rPr lang="en-US" dirty="0"/>
-              <a:t>World Happiness Report</a:t>
+              <a:t>World Happiness Report CSV</a:t>
             </a:r>
           </a:p>
           <a:p>
@@ -5828,6 +5829,22 @@
               <a:buFont typeface="Arial" panose="020B0604020202020204" pitchFamily="34" charset="0"/>
               <a:buChar char="•"/>
             </a:pPr>
+            <a:r>
+              <a:rPr lang="en-US" dirty="0"/>
+              <a:t>https://</a:t>
+            </a:r>
+            <a:r>
+              <a:rPr lang="en-US" dirty="0" err="1"/>
+              <a:t>en.Wikipedia.org</a:t>
+            </a:r>
+            <a:r>
+              <a:rPr lang="en-US" dirty="0"/>
+              <a:t>/w/</a:t>
+            </a:r>
+            <a:r>
+              <a:rPr lang="en-US" dirty="0" err="1"/>
+              <a:t>api.php</a:t>
+            </a:r>
             <a:endParaRPr lang="en-US" dirty="0"/>
           </a:p>
           <a:p>
@@ -5837,6 +5854,23 @@
             <a:r>
               <a:rPr lang="en-US" dirty="0"/>
               <a:t>The data obtained from the sources will be utilized to generate comparisons of the world’s population based on education levels and their overall happiness.</a:t>
+            </a:r>
+          </a:p>
+          <a:p>
+            <a:pPr marL="0" indent="0">
+              <a:buNone/>
+            </a:pPr>
+            <a:r>
+              <a:rPr lang="en-US" dirty="0"/>
+              <a:t>An attempt was tried on using </a:t>
+            </a:r>
+            <a:r>
+              <a:rPr lang="en-US" dirty="0" err="1"/>
+              <a:t>Bigquery</a:t>
+            </a:r>
+            <a:r>
+              <a:rPr lang="en-US" dirty="0"/>
+              <a:t> to pull the data with out using CSV Files</a:t>
             </a:r>
           </a:p>
         </p:txBody>
@@ -6521,7 +6555,7 @@
         <p:spPr/>
         <p:txBody>
           <a:bodyPr>
-            <a:normAutofit/>
+            <a:normAutofit lnSpcReduction="10000"/>
           </a:bodyPr>
           <a:lstStyle/>
           <a:p>
@@ -6537,6 +6571,44 @@
             <a:r>
               <a:rPr lang="en-US" dirty="0"/>
               <a:t>Total enrollment in primary and secondary education, regardless of age, expressed as a percentage of the total population of official primary and secondary education age. GER can exceed 100% due to the inclusion of over-aged and under-aged students because of early or late school entrance and grade repetition.</a:t>
+            </a:r>
+          </a:p>
+          <a:p>
+            <a:pPr>
+              <a:buFont typeface="Arial" panose="020B0604020202020204" pitchFamily="34" charset="0"/>
+              <a:buChar char="•"/>
+            </a:pPr>
+            <a:r>
+              <a:rPr lang="en-US" dirty="0"/>
+              <a:t>GER = Gross Enrollment Ratio</a:t>
+            </a:r>
+          </a:p>
+          <a:p>
+            <a:pPr marL="0" indent="0">
+              <a:buNone/>
+            </a:pPr>
+            <a:r>
+              <a:rPr lang="en-US" dirty="0"/>
+              <a:t>Total enrollment in primary and secondary education, regardless of age, expressed as a percentage of the total population of official primary and secondary education age.</a:t>
+            </a:r>
+          </a:p>
+          <a:p>
+            <a:pPr>
+              <a:buFont typeface="Arial" panose="020B0604020202020204" pitchFamily="34" charset="0"/>
+              <a:buChar char="•"/>
+            </a:pPr>
+            <a:r>
+              <a:rPr lang="en-US" dirty="0"/>
+              <a:t>SLE = School Life Expectancy </a:t>
+            </a:r>
+          </a:p>
+          <a:p>
+            <a:pPr marL="0" indent="0">
+              <a:buNone/>
+            </a:pPr>
+            <a:r>
+              <a:rPr lang="en-US" dirty="0"/>
+              <a:t>Number of years a person of school entrance age can expect to spend within the specified level of education.</a:t>
             </a:r>
           </a:p>
         </p:txBody>
@@ -7183,7 +7255,7 @@
           <p:cNvPr id="2" name="Title 1">
             <a:extLst>
               <a:ext uri="{FF2B5EF4-FFF2-40B4-BE49-F238E27FC236}">
-                <a16:creationId xmlns:a16="http://schemas.microsoft.com/office/drawing/2014/main" id="{F70306AE-E580-4A4F-BDDE-CE0D8C402D6D}"/>
+                <a16:creationId xmlns:a16="http://schemas.microsoft.com/office/drawing/2014/main" id="{A6B9D53E-D60F-1F41-8530-34D085B950A3}"/>
               </a:ext>
             </a:extLst>
           </p:cNvPr>
@@ -7201,17 +7273,17 @@
           <a:p>
             <a:r>
               <a:rPr lang="en-US" dirty="0"/>
-              <a:t>Creating the Tables</a:t>
-            </a:r>
-          </a:p>
-        </p:txBody>
-      </p:sp>
-      <p:sp>
-        <p:nvSpPr>
-          <p:cNvPr id="6" name="Content Placeholder 5">
+              <a:t>Cleaning Continued</a:t>
+            </a:r>
+          </a:p>
+        </p:txBody>
+      </p:sp>
+      <p:sp>
+        <p:nvSpPr>
+          <p:cNvPr id="3" name="Content Placeholder 2">
             <a:extLst>
               <a:ext uri="{FF2B5EF4-FFF2-40B4-BE49-F238E27FC236}">
-                <a16:creationId xmlns:a16="http://schemas.microsoft.com/office/drawing/2014/main" id="{3CBFE6DB-FDCC-FC47-A165-FC3C15127488}"/>
+                <a16:creationId xmlns:a16="http://schemas.microsoft.com/office/drawing/2014/main" id="{C0A7A295-4EC7-F84D-8E5C-557D1D6D7CF9}"/>
               </a:ext>
             </a:extLst>
           </p:cNvPr>
@@ -7229,29 +7301,20 @@
           <a:p>
             <a:r>
               <a:rPr lang="en-US" dirty="0"/>
-              <a:t>We used SQL to create the tables and join the data on the year and countries.  Also added were Wikipedia links to all the countries compared </a:t>
-            </a:r>
-          </a:p>
-          <a:p>
-            <a:r>
-              <a:rPr lang="en-US" dirty="0"/>
-              <a:t>Table Examples:</a:t>
-            </a:r>
-          </a:p>
-          <a:p>
-            <a:pPr marL="0" indent="0">
-              <a:buNone/>
-            </a:pPr>
+              <a:t>Combining and renaming  columns:</a:t>
+            </a:r>
+          </a:p>
+          <a:p>
             <a:endParaRPr lang="en-US" dirty="0"/>
           </a:p>
         </p:txBody>
       </p:sp>
       <p:pic>
         <p:nvPicPr>
-          <p:cNvPr id="7" name="Picture 6">
+          <p:cNvPr id="4" name="Picture 3">
             <a:extLst>
               <a:ext uri="{FF2B5EF4-FFF2-40B4-BE49-F238E27FC236}">
-                <a16:creationId xmlns:a16="http://schemas.microsoft.com/office/drawing/2014/main" id="{D3050AA2-C7D6-BC45-AEF3-E265F575CAC5}"/>
+                <a16:creationId xmlns:a16="http://schemas.microsoft.com/office/drawing/2014/main" id="{7F340455-A4C1-AD4B-A07A-2CAFCE8D1839}"/>
               </a:ext>
             </a:extLst>
           </p:cNvPr>
@@ -7268,38 +7331,8 @@
         </p:blipFill>
         <p:spPr>
           <a:xfrm>
-            <a:off x="1460500" y="3219450"/>
-            <a:ext cx="2667000" cy="2654300"/>
-          </a:xfrm>
-          <a:prstGeom prst="rect">
-            <a:avLst/>
-          </a:prstGeom>
-        </p:spPr>
-      </p:pic>
-      <p:pic>
-        <p:nvPicPr>
-          <p:cNvPr id="9" name="Picture 8">
-            <a:extLst>
-              <a:ext uri="{FF2B5EF4-FFF2-40B4-BE49-F238E27FC236}">
-                <a16:creationId xmlns:a16="http://schemas.microsoft.com/office/drawing/2014/main" id="{8DCF0BE8-DEE7-C74B-8F77-C7AB3C7BB2AE}"/>
-              </a:ext>
-            </a:extLst>
-          </p:cNvPr>
-          <p:cNvPicPr>
-            <a:picLocks noChangeAspect="1"/>
-          </p:cNvPicPr>
-          <p:nvPr/>
-        </p:nvPicPr>
-        <p:blipFill>
-          <a:blip r:embed="rId3"/>
-          <a:stretch>
-            <a:fillRect/>
-          </a:stretch>
-        </p:blipFill>
-        <p:spPr>
-          <a:xfrm>
-            <a:off x="5372102" y="3225800"/>
-            <a:ext cx="2692400" cy="2374900"/>
+            <a:off x="733552" y="2560619"/>
+            <a:ext cx="10464800" cy="3172370"/>
           </a:xfrm>
           <a:prstGeom prst="rect">
             <a:avLst/>
@@ -7309,7 +7342,7 @@
     </p:spTree>
     <p:extLst>
       <p:ext uri="{BB962C8B-B14F-4D97-AF65-F5344CB8AC3E}">
-        <p14:creationId xmlns:p14="http://schemas.microsoft.com/office/powerpoint/2010/main" val="1159265097"/>
+        <p14:creationId xmlns:p14="http://schemas.microsoft.com/office/powerpoint/2010/main" val="3628256428"/>
       </p:ext>
     </p:extLst>
   </p:cSld>
@@ -7341,7 +7374,7 @@
           <p:cNvPr id="2" name="Title 1">
             <a:extLst>
               <a:ext uri="{FF2B5EF4-FFF2-40B4-BE49-F238E27FC236}">
-                <a16:creationId xmlns:a16="http://schemas.microsoft.com/office/drawing/2014/main" id="{DF2D55D9-9913-F94B-9D87-5AFB3A93873F}"/>
+                <a16:creationId xmlns:a16="http://schemas.microsoft.com/office/drawing/2014/main" id="{F70306AE-E580-4A4F-BDDE-CE0D8C402D6D}"/>
               </a:ext>
             </a:extLst>
           </p:cNvPr>
@@ -7357,20 +7390,19 @@
           <a:bodyPr/>
           <a:lstStyle/>
           <a:p>
-            <a:pPr algn="ctr"/>
             <a:r>
               <a:rPr lang="en-US" dirty="0"/>
-              <a:t>Final production database - Relational</a:t>
-            </a:r>
-          </a:p>
-        </p:txBody>
-      </p:sp>
-      <p:sp>
-        <p:nvSpPr>
-          <p:cNvPr id="3" name="Content Placeholder 2">
+              <a:t>Creating the Tables</a:t>
+            </a:r>
+          </a:p>
+        </p:txBody>
+      </p:sp>
+      <p:sp>
+        <p:nvSpPr>
+          <p:cNvPr id="6" name="Content Placeholder 5">
             <a:extLst>
               <a:ext uri="{FF2B5EF4-FFF2-40B4-BE49-F238E27FC236}">
-                <a16:creationId xmlns:a16="http://schemas.microsoft.com/office/drawing/2014/main" id="{700A23BB-70E2-F74D-912B-70B457EB73CF}"/>
+                <a16:creationId xmlns:a16="http://schemas.microsoft.com/office/drawing/2014/main" id="{3CBFE6DB-FDCC-FC47-A165-FC3C15127488}"/>
               </a:ext>
             </a:extLst>
           </p:cNvPr>
@@ -7378,7 +7410,7 @@
             <a:spLocks noGrp="1"/>
           </p:cNvSpPr>
           <p:nvPr>
-            <p:ph sz="half" idx="1"/>
+            <p:ph idx="1"/>
           </p:nvPr>
         </p:nvSpPr>
         <p:spPr/>
@@ -7388,56 +7420,13 @@
           <a:p>
             <a:r>
               <a:rPr lang="en-US" dirty="0"/>
-              <a:t>We utilized Postgres to better update in the future when new years are added to the World Bank information.</a:t>
-            </a:r>
-          </a:p>
-          <a:p>
-            <a:pPr marL="0" indent="0">
-              <a:buNone/>
-            </a:pPr>
+              <a:t>We used SQL to create the tables and join the data on the year and countries.  Also added were Wikipedia links to all the countries compared </a:t>
+            </a:r>
+          </a:p>
+          <a:p>
             <a:r>
               <a:rPr lang="en-US" dirty="0"/>
-              <a:t>TABLES:</a:t>
-            </a:r>
-          </a:p>
-          <a:p>
-            <a:pPr>
-              <a:buFont typeface="Arial" panose="020B0604020202020204" pitchFamily="34" charset="0"/>
-              <a:buChar char="•"/>
-            </a:pPr>
-            <a:r>
-              <a:rPr lang="en-US" dirty="0"/>
-              <a:t>Country</a:t>
-            </a:r>
-          </a:p>
-          <a:p>
-            <a:pPr>
-              <a:buFont typeface="Arial" panose="020B0604020202020204" pitchFamily="34" charset="0"/>
-              <a:buChar char="•"/>
-            </a:pPr>
-            <a:r>
-              <a:rPr lang="en-US" dirty="0"/>
-              <a:t>Education</a:t>
-            </a:r>
-          </a:p>
-          <a:p>
-            <a:pPr>
-              <a:buFont typeface="Arial" panose="020B0604020202020204" pitchFamily="34" charset="0"/>
-              <a:buChar char="•"/>
-            </a:pPr>
-            <a:r>
-              <a:rPr lang="en-US" dirty="0"/>
-              <a:t>Happiness</a:t>
-            </a:r>
-          </a:p>
-          <a:p>
-            <a:pPr>
-              <a:buFont typeface="Arial" panose="020B0604020202020204" pitchFamily="34" charset="0"/>
-              <a:buChar char="•"/>
-            </a:pPr>
-            <a:r>
-              <a:rPr lang="en-US" dirty="0"/>
-              <a:t>Wikipedia</a:t>
+              <a:t>Table Examples:</a:t>
             </a:r>
           </a:p>
           <a:p>
@@ -7448,35 +7437,70 @@
           </a:p>
         </p:txBody>
       </p:sp>
-      <p:sp>
-        <p:nvSpPr>
-          <p:cNvPr id="4" name="Content Placeholder 3">
+      <p:pic>
+        <p:nvPicPr>
+          <p:cNvPr id="10" name="Picture 9">
             <a:extLst>
               <a:ext uri="{FF2B5EF4-FFF2-40B4-BE49-F238E27FC236}">
-                <a16:creationId xmlns:a16="http://schemas.microsoft.com/office/drawing/2014/main" id="{5E6A4B7E-BB27-EF4C-9984-D1D533CA8D10}"/>
+                <a16:creationId xmlns:a16="http://schemas.microsoft.com/office/drawing/2014/main" id="{28AFA2CE-4F42-1848-A56D-02CDA6607650}"/>
               </a:ext>
             </a:extLst>
           </p:cNvPr>
-          <p:cNvSpPr>
-            <a:spLocks noGrp="1"/>
-          </p:cNvSpPr>
-          <p:nvPr>
-            <p:ph sz="half" idx="2"/>
-          </p:nvPr>
-        </p:nvSpPr>
-        <p:spPr/>
-        <p:txBody>
-          <a:bodyPr/>
-          <a:lstStyle/>
-          <a:p>
-            <a:endParaRPr lang="en-US" dirty="0"/>
-          </a:p>
-        </p:txBody>
-      </p:sp>
+          <p:cNvPicPr>
+            <a:picLocks noChangeAspect="1"/>
+          </p:cNvPicPr>
+          <p:nvPr/>
+        </p:nvPicPr>
+        <p:blipFill>
+          <a:blip r:embed="rId2"/>
+          <a:stretch>
+            <a:fillRect/>
+          </a:stretch>
+        </p:blipFill>
+        <p:spPr>
+          <a:xfrm>
+            <a:off x="1250950" y="3213100"/>
+            <a:ext cx="3409950" cy="3454400"/>
+          </a:xfrm>
+          <a:prstGeom prst="rect">
+            <a:avLst/>
+          </a:prstGeom>
+        </p:spPr>
+      </p:pic>
+      <p:pic>
+        <p:nvPicPr>
+          <p:cNvPr id="12" name="Picture 11">
+            <a:extLst>
+              <a:ext uri="{FF2B5EF4-FFF2-40B4-BE49-F238E27FC236}">
+                <a16:creationId xmlns:a16="http://schemas.microsoft.com/office/drawing/2014/main" id="{304EC5D3-4BC5-B342-80A3-8616497C5457}"/>
+              </a:ext>
+            </a:extLst>
+          </p:cNvPr>
+          <p:cNvPicPr>
+            <a:picLocks noChangeAspect="1"/>
+          </p:cNvPicPr>
+          <p:nvPr/>
+        </p:nvPicPr>
+        <p:blipFill>
+          <a:blip r:embed="rId3"/>
+          <a:stretch>
+            <a:fillRect/>
+          </a:stretch>
+        </p:blipFill>
+        <p:spPr>
+          <a:xfrm>
+            <a:off x="4660900" y="3009900"/>
+            <a:ext cx="4000500" cy="2324100"/>
+          </a:xfrm>
+          <a:prstGeom prst="rect">
+            <a:avLst/>
+          </a:prstGeom>
+        </p:spPr>
+      </p:pic>
     </p:spTree>
     <p:extLst>
       <p:ext uri="{BB962C8B-B14F-4D97-AF65-F5344CB8AC3E}">
-        <p14:creationId xmlns:p14="http://schemas.microsoft.com/office/powerpoint/2010/main" val="2807671786"/>
+        <p14:creationId xmlns:p14="http://schemas.microsoft.com/office/powerpoint/2010/main" val="1159265097"/>
       </p:ext>
     </p:extLst>
   </p:cSld>
@@ -7505,6 +7529,186 @@
       </p:grpSpPr>
       <p:sp>
         <p:nvSpPr>
+          <p:cNvPr id="2" name="Title 1">
+            <a:extLst>
+              <a:ext uri="{FF2B5EF4-FFF2-40B4-BE49-F238E27FC236}">
+                <a16:creationId xmlns:a16="http://schemas.microsoft.com/office/drawing/2014/main" id="{DF2D55D9-9913-F94B-9D87-5AFB3A93873F}"/>
+              </a:ext>
+            </a:extLst>
+          </p:cNvPr>
+          <p:cNvSpPr>
+            <a:spLocks noGrp="1"/>
+          </p:cNvSpPr>
+          <p:nvPr>
+            <p:ph type="title"/>
+          </p:nvPr>
+        </p:nvSpPr>
+        <p:spPr/>
+        <p:txBody>
+          <a:bodyPr/>
+          <a:lstStyle/>
+          <a:p>
+            <a:pPr algn="ctr"/>
+            <a:r>
+              <a:rPr lang="en-US"/>
+              <a:t>Final production database - Relational</a:t>
+            </a:r>
+            <a:endParaRPr lang="en-US" dirty="0"/>
+          </a:p>
+        </p:txBody>
+      </p:sp>
+      <p:sp>
+        <p:nvSpPr>
+          <p:cNvPr id="3" name="Content Placeholder 2">
+            <a:extLst>
+              <a:ext uri="{FF2B5EF4-FFF2-40B4-BE49-F238E27FC236}">
+                <a16:creationId xmlns:a16="http://schemas.microsoft.com/office/drawing/2014/main" id="{700A23BB-70E2-F74D-912B-70B457EB73CF}"/>
+              </a:ext>
+            </a:extLst>
+          </p:cNvPr>
+          <p:cNvSpPr>
+            <a:spLocks noGrp="1"/>
+          </p:cNvSpPr>
+          <p:nvPr>
+            <p:ph sz="half" idx="1"/>
+          </p:nvPr>
+        </p:nvSpPr>
+        <p:spPr>
+          <a:xfrm>
+            <a:off x="1073150" y="1762760"/>
+            <a:ext cx="4754880" cy="3977640"/>
+          </a:xfrm>
+        </p:spPr>
+        <p:txBody>
+          <a:bodyPr/>
+          <a:lstStyle/>
+          <a:p>
+            <a:r>
+              <a:rPr lang="en-US" dirty="0"/>
+              <a:t>We utilized Postgres to better update in the future when new years are added to the World Bank information.</a:t>
+            </a:r>
+          </a:p>
+          <a:p>
+            <a:pPr marL="0" indent="0">
+              <a:buNone/>
+            </a:pPr>
+            <a:r>
+              <a:rPr lang="en-US"/>
+              <a:t>TABLES:</a:t>
+            </a:r>
+          </a:p>
+          <a:p>
+            <a:pPr>
+              <a:buFont typeface="Arial" panose="020B0604020202020204" pitchFamily="34" charset="0"/>
+              <a:buChar char="•"/>
+            </a:pPr>
+            <a:r>
+              <a:rPr lang="en-US"/>
+              <a:t>Country</a:t>
+            </a:r>
+          </a:p>
+          <a:p>
+            <a:pPr>
+              <a:buFont typeface="Arial" panose="020B0604020202020204" pitchFamily="34" charset="0"/>
+              <a:buChar char="•"/>
+            </a:pPr>
+            <a:r>
+              <a:rPr lang="en-US"/>
+              <a:t>Education</a:t>
+            </a:r>
+          </a:p>
+          <a:p>
+            <a:pPr>
+              <a:buFont typeface="Arial" panose="020B0604020202020204" pitchFamily="34" charset="0"/>
+              <a:buChar char="•"/>
+            </a:pPr>
+            <a:r>
+              <a:rPr lang="en-US"/>
+              <a:t>Happiness</a:t>
+            </a:r>
+          </a:p>
+          <a:p>
+            <a:pPr>
+              <a:buFont typeface="Arial" panose="020B0604020202020204" pitchFamily="34" charset="0"/>
+              <a:buChar char="•"/>
+            </a:pPr>
+            <a:r>
+              <a:rPr lang="en-US"/>
+              <a:t>Wikipedia</a:t>
+            </a:r>
+          </a:p>
+          <a:p>
+            <a:pPr marL="0" indent="0">
+              <a:buNone/>
+            </a:pPr>
+            <a:endParaRPr lang="en-US" dirty="0"/>
+          </a:p>
+        </p:txBody>
+      </p:sp>
+      <p:pic>
+        <p:nvPicPr>
+          <p:cNvPr id="5" name="Content Placeholder 4">
+            <a:extLst>
+              <a:ext uri="{FF2B5EF4-FFF2-40B4-BE49-F238E27FC236}">
+                <a16:creationId xmlns:a16="http://schemas.microsoft.com/office/drawing/2014/main" id="{04A3E1CF-1CC8-0F42-9D8A-B1D223AADC4E}"/>
+              </a:ext>
+            </a:extLst>
+          </p:cNvPr>
+          <p:cNvPicPr>
+            <a:picLocks noGrp="1" noChangeAspect="1"/>
+          </p:cNvPicPr>
+          <p:nvPr>
+            <p:ph sz="half" idx="2"/>
+          </p:nvPr>
+        </p:nvPicPr>
+        <p:blipFill>
+          <a:blip r:embed="rId2"/>
+          <a:stretch>
+            <a:fillRect/>
+          </a:stretch>
+        </p:blipFill>
+        <p:spPr>
+          <a:xfrm>
+            <a:off x="6364288" y="2450542"/>
+            <a:ext cx="4754562" cy="3465040"/>
+          </a:xfrm>
+          <a:prstGeom prst="rect">
+            <a:avLst/>
+          </a:prstGeom>
+        </p:spPr>
+      </p:pic>
+    </p:spTree>
+    <p:extLst>
+      <p:ext uri="{BB962C8B-B14F-4D97-AF65-F5344CB8AC3E}">
+        <p14:creationId xmlns:p14="http://schemas.microsoft.com/office/powerpoint/2010/main" val="2807671786"/>
+      </p:ext>
+    </p:extLst>
+  </p:cSld>
+  <p:clrMapOvr>
+    <a:masterClrMapping/>
+  </p:clrMapOvr>
+</p:sld>
+</file>
+
+<file path=ppt/slides/slide9.xml><?xml version="1.0" encoding="utf-8"?>
+<p:sld xmlns:a="http://schemas.openxmlformats.org/drawingml/2006/main" xmlns:r="http://schemas.openxmlformats.org/officeDocument/2006/relationships" xmlns:p="http://schemas.openxmlformats.org/presentationml/2006/main">
+  <p:cSld>
+    <p:spTree>
+      <p:nvGrpSpPr>
+        <p:cNvPr id="1" name=""/>
+        <p:cNvGrpSpPr/>
+        <p:nvPr/>
+      </p:nvGrpSpPr>
+      <p:grpSpPr>
+        <a:xfrm>
+          <a:off x="0" y="0"/>
+          <a:ext cx="0" cy="0"/>
+          <a:chOff x="0" y="0"/>
+          <a:chExt cx="0" cy="0"/>
+        </a:xfrm>
+      </p:grpSpPr>
+      <p:sp>
+        <p:nvSpPr>
           <p:cNvPr id="5" name="Title 4">
             <a:extLst>
               <a:ext uri="{FF2B5EF4-FFF2-40B4-BE49-F238E27FC236}">
@@ -7526,7 +7730,7 @@
           <a:p>
             <a:r>
               <a:rPr lang="en-US" dirty="0"/>
-              <a:t>Final Product</a:t>
+              <a:t>Questions?</a:t>
             </a:r>
           </a:p>
         </p:txBody>
@@ -7563,12 +7767,6 @@
           <a:p>
             <a:endParaRPr lang="en-US" dirty="0"/>
           </a:p>
-          <a:p>
-            <a:r>
-              <a:rPr lang="en-US" dirty="0"/>
-              <a:t>Questions?</a:t>
-            </a:r>
-          </a:p>
         </p:txBody>
       </p:sp>
       <p:sp>
@@ -7592,10 +7790,51 @@
           <a:bodyPr/>
           <a:lstStyle/>
           <a:p>
-            <a:endParaRPr lang="en-US"/>
-          </a:p>
-        </p:txBody>
-      </p:sp>
+            <a:r>
+              <a:rPr lang="en-US" dirty="0"/>
+              <a:t>Example of the </a:t>
+            </a:r>
+            <a:r>
+              <a:rPr lang="en-US" dirty="0" err="1"/>
+              <a:t>Bigquery</a:t>
+            </a:r>
+            <a:r>
+              <a:rPr lang="en-US" dirty="0"/>
+              <a:t> starter:</a:t>
+            </a:r>
+          </a:p>
+        </p:txBody>
+      </p:sp>
+      <p:pic>
+        <p:nvPicPr>
+          <p:cNvPr id="14" name="Picture 13">
+            <a:extLst>
+              <a:ext uri="{FF2B5EF4-FFF2-40B4-BE49-F238E27FC236}">
+                <a16:creationId xmlns:a16="http://schemas.microsoft.com/office/drawing/2014/main" id="{50A6FD38-5DC0-9641-89EC-1DCCF1AAAF93}"/>
+              </a:ext>
+            </a:extLst>
+          </p:cNvPr>
+          <p:cNvPicPr>
+            <a:picLocks noChangeAspect="1"/>
+          </p:cNvPicPr>
+          <p:nvPr/>
+        </p:nvPicPr>
+        <p:blipFill>
+          <a:blip r:embed="rId2"/>
+          <a:stretch>
+            <a:fillRect/>
+          </a:stretch>
+        </p:blipFill>
+        <p:spPr>
+          <a:xfrm>
+            <a:off x="441960" y="1258482"/>
+            <a:ext cx="7266940" cy="1998306"/>
+          </a:xfrm>
+          <a:prstGeom prst="rect">
+            <a:avLst/>
+          </a:prstGeom>
+        </p:spPr>
+      </p:pic>
     </p:spTree>
     <p:extLst>
       <p:ext uri="{BB962C8B-B14F-4D97-AF65-F5344CB8AC3E}">

--- a/ETL Presentation.pptx
+++ b/ETL Presentation.pptx
@@ -6434,7 +6434,7 @@
           <a:p>
             <a:r>
               <a:rPr lang="en-US" dirty="0"/>
-              <a:t>The data will first be pulled with APIs and cleaned utilizing pandas</a:t>
+              <a:t>The data will first be pulled with CSVs and cleaned utilizing pandas</a:t>
             </a:r>
           </a:p>
           <a:p>
@@ -7593,7 +7593,7 @@
               <a:buNone/>
             </a:pPr>
             <a:r>
-              <a:rPr lang="en-US"/>
+              <a:rPr lang="en-US" dirty="0"/>
               <a:t>TABLES:</a:t>
             </a:r>
           </a:p>
@@ -7603,8 +7603,8 @@
               <a:buChar char="•"/>
             </a:pPr>
             <a:r>
-              <a:rPr lang="en-US"/>
-              <a:t>Country</a:t>
+              <a:rPr lang="en-US" dirty="0"/>
+              <a:t>GER_2015</a:t>
             </a:r>
           </a:p>
           <a:p>
@@ -7613,8 +7613,8 @@
               <a:buChar char="•"/>
             </a:pPr>
             <a:r>
-              <a:rPr lang="en-US"/>
-              <a:t>Education</a:t>
+              <a:rPr lang="en-US" dirty="0"/>
+              <a:t>SLE_2015</a:t>
             </a:r>
           </a:p>
           <a:p>
@@ -7623,8 +7623,8 @@
               <a:buChar char="•"/>
             </a:pPr>
             <a:r>
-              <a:rPr lang="en-US"/>
-              <a:t>Happiness</a:t>
+              <a:rPr lang="en-US" dirty="0"/>
+              <a:t>HAP_2015</a:t>
             </a:r>
           </a:p>
           <a:p>
@@ -7633,9 +7633,34 @@
               <a:buChar char="•"/>
             </a:pPr>
             <a:r>
-              <a:rPr lang="en-US"/>
-              <a:t>Wikipedia</a:t>
-            </a:r>
+              <a:rPr lang="en-US" dirty="0" err="1"/>
+              <a:t>country_list</a:t>
+            </a:r>
+            <a:endParaRPr lang="en-US" dirty="0"/>
+          </a:p>
+          <a:p>
+            <a:pPr>
+              <a:buFont typeface="Arial" panose="020B0604020202020204" pitchFamily="34" charset="0"/>
+              <a:buChar char="•"/>
+            </a:pPr>
+            <a:r>
+              <a:rPr lang="en-US" dirty="0" err="1"/>
+              <a:t>wiki_info</a:t>
+            </a:r>
+            <a:endParaRPr lang="en-US" dirty="0"/>
+          </a:p>
+          <a:p>
+            <a:pPr marL="0" indent="0">
+              <a:buNone/>
+            </a:pPr>
+            <a:endParaRPr lang="en-US" dirty="0"/>
+          </a:p>
+          <a:p>
+            <a:pPr>
+              <a:buFont typeface="Arial" panose="020B0604020202020204" pitchFamily="34" charset="0"/>
+              <a:buChar char="•"/>
+            </a:pPr>
+            <a:endParaRPr lang="en-US" dirty="0"/>
           </a:p>
           <a:p>
             <a:pPr marL="0" indent="0">
